--- a/teacher/project-training.pptx
+++ b/teacher/project-training.pptx
@@ -3200,7 +3200,23 @@
             </a:pPr>
             <a:r>
               <a:rPr lang="en-GB" altLang="en-US"/>
-              <a:t>You will find with this document our project , you will find everything you need to run a spark based app in this repo .</a:t>
+              <a:t>You will find with this document our project , </a:t>
+            </a:r>
+            <a:r>
+              <a:rPr lang="x-none" altLang="en-GB"/>
+              <a:t>there is everything </a:t>
+            </a:r>
+            <a:r>
+              <a:rPr lang="en-GB" altLang="en-US"/>
+              <a:t>you need to run a spark based app in this repo</a:t>
+            </a:r>
+            <a:r>
+              <a:rPr lang="x-none" altLang="en-GB"/>
+              <a:t>sitory</a:t>
+            </a:r>
+            <a:r>
+              <a:rPr lang="en-GB" altLang="en-US"/>
+              <a:t> .</a:t>
             </a:r>
             <a:endParaRPr lang="en-GB" altLang="en-US"/>
           </a:p>
@@ -3693,7 +3709,7 @@
         </p:nvSpPr>
         <p:spPr>
           <a:xfrm>
-            <a:off x="609600" y="2856230"/>
+            <a:off x="628650" y="2319020"/>
             <a:ext cx="10972800" cy="3270250"/>
           </a:xfrm>
         </p:spPr>
@@ -3718,7 +3734,17 @@
           <a:p>
             <a:r>
               <a:rPr lang="x-none" altLang="en-GB" sz="2400"/>
-              <a:t>A very simple plain-text app , there is a screenshot just after.</a:t>
+              <a:t>A very simple plain-text app , you can also upload a new file as input with heart beat data.</a:t>
+            </a:r>
+            <a:endParaRPr lang="x-none" altLang="en-GB" sz="2400"/>
+          </a:p>
+          <a:p>
+            <a:endParaRPr lang="x-none" altLang="en-GB" sz="2400"/>
+          </a:p>
+          <a:p>
+            <a:r>
+              <a:rPr lang="x-none" altLang="en-GB" sz="2400"/>
+              <a:t> A screenshot is available just after.</a:t>
             </a:r>
             <a:endParaRPr lang="x-none" altLang="en-GB" sz="2400"/>
           </a:p>
@@ -3780,7 +3806,7 @@
       </p:sp>
       <p:pic>
         <p:nvPicPr>
-          <p:cNvPr id="5" name="Picture 4" descr="Screenshot from 2018-01-12 00:04:27"/>
+          <p:cNvPr id="4" name="Picture 3" descr="Screenshot from 2018-01-12 22:30:45"/>
           <p:cNvPicPr>
             <a:picLocks noChangeAspect="1"/>
           </p:cNvPicPr>
@@ -3794,8 +3820,8 @@
         </p:blipFill>
         <p:spPr>
           <a:xfrm>
-            <a:off x="181610" y="419735"/>
-            <a:ext cx="11715750" cy="5751195"/>
+            <a:off x="9525" y="-20955"/>
+            <a:ext cx="12025630" cy="6791960"/>
           </a:xfrm>
           <a:prstGeom prst="rect">
             <a:avLst/>
